--- a/4.miscellaneous/0.resources/2.resume/1.files/resume_kaiser.pptx
+++ b/4.miscellaneous/0.resources/2.resume/1.files/resume_kaiser.pptx
@@ -1653,8 +1653,8 @@
         </p:nvSpPr>
         <p:spPr>
           <a:xfrm>
-            <a:off x="676080" y="786960"/>
-            <a:ext cx="7088400" cy="393120"/>
+            <a:off x="648000" y="786960"/>
+            <a:ext cx="7088040" cy="392760"/>
           </a:xfrm>
           <a:prstGeom prst="rect">
             <a:avLst/>
@@ -1685,6 +1685,11 @@
               <a:spcAft>
                 <a:spcPts val="567"/>
               </a:spcAft>
+              <a:tabLst>
+                <a:tab algn="l" pos="2684160"/>
+                <a:tab algn="l" pos="3030840"/>
+                <a:tab algn="l" pos="3143160"/>
+              </a:tabLst>
             </a:pPr>
             <a:r>
               <a:rPr b="0" lang="en-US" sz="1050" spc="-1" strike="noStrike">
@@ -1694,7 +1699,7 @@
                 <a:latin typeface="Roboto Light"/>
                 <a:ea typeface="Noto Sans CJK SC"/>
               </a:rPr>
-              <a:t> </a:t>
+              <a:t>     </a:t>
             </a:r>
             <a:r>
               <a:rPr b="0" lang="en-US" sz="1050" spc="-1" strike="noStrike">
@@ -1704,7 +1709,7 @@
                 <a:latin typeface="Roboto Light"/>
                 <a:ea typeface="Noto Sans CJK SC"/>
               </a:rPr>
-              <a:t>github.com/kaiser-hamid-rabbi          linkedin.com/in/kaiserhamidrabbi/          kaiser.hamid.rabbi@gmail.com  </a:t>
+              <a:t>github.com/kaiser-hamid-rabbi           kaiser-hamid-rabbi.github.io          linkedin.com/in/kaiserhamidrabbi/</a:t>
             </a:r>
             <a:endParaRPr b="0" lang="en-US" sz="1050" spc="-1" strike="noStrike">
               <a:latin typeface="Arial"/>
@@ -1721,7 +1726,7 @@
         <p:spPr>
           <a:xfrm>
             <a:off x="1783440" y="129960"/>
-            <a:ext cx="3723480" cy="579960"/>
+            <a:ext cx="3723120" cy="579600"/>
           </a:xfrm>
           <a:prstGeom prst="rect">
             <a:avLst/>
@@ -1801,8 +1806,8 @@
         </p:nvSpPr>
         <p:spPr>
           <a:xfrm rot="16200">
-            <a:off x="257760" y="1367280"/>
-            <a:ext cx="7044840" cy="4914360"/>
+            <a:off x="257400" y="1367280"/>
+            <a:ext cx="7044480" cy="4914000"/>
           </a:xfrm>
           <a:prstGeom prst="rect">
             <a:avLst/>
@@ -2153,7 +2158,7 @@
         <p:spPr>
           <a:xfrm>
             <a:off x="251640" y="1088640"/>
-            <a:ext cx="2101320" cy="342360"/>
+            <a:ext cx="2100960" cy="342000"/>
           </a:xfrm>
           <a:prstGeom prst="rect">
             <a:avLst/>
@@ -2203,10 +2208,10 @@
         </p:nvGrpSpPr>
         <p:grpSpPr>
           <a:xfrm>
-            <a:off x="493200" y="846720"/>
-            <a:ext cx="250200" cy="206640"/>
-            <a:chOff x="493200" y="846720"/>
-            <a:chExt cx="250200" cy="206640"/>
+            <a:off x="629280" y="846720"/>
+            <a:ext cx="249840" cy="206280"/>
+            <a:chOff x="629280" y="846720"/>
+            <a:chExt cx="249840" cy="206280"/>
           </a:xfrm>
         </p:grpSpPr>
         <p:pic>
@@ -2223,8 +2228,8 @@
           </p:blipFill>
           <p:spPr>
             <a:xfrm>
-              <a:off x="493200" y="846720"/>
-              <a:ext cx="250200" cy="206640"/>
+              <a:off x="629280" y="846720"/>
+              <a:ext cx="249840" cy="206280"/>
             </a:xfrm>
             <a:prstGeom prst="rect">
               <a:avLst/>
@@ -2243,7 +2248,7 @@
         </p:nvSpPr>
         <p:spPr>
           <a:xfrm>
-            <a:off x="-238680" y="1062360"/>
+            <a:off x="-266760" y="1062360"/>
             <a:ext cx="8152200" cy="1800"/>
           </a:xfrm>
           <a:prstGeom prst="line">
@@ -2272,7 +2277,7 @@
         <p:spPr>
           <a:xfrm>
             <a:off x="274320" y="6884280"/>
-            <a:ext cx="1363680" cy="342360"/>
+            <a:ext cx="1363320" cy="342000"/>
           </a:xfrm>
           <a:prstGeom prst="rect">
             <a:avLst/>
@@ -2323,7 +2328,7 @@
         <p:spPr>
           <a:xfrm>
             <a:off x="274320" y="9601200"/>
-            <a:ext cx="1363680" cy="342360"/>
+            <a:ext cx="1363320" cy="342000"/>
           </a:xfrm>
           <a:prstGeom prst="rect">
             <a:avLst/>
@@ -2373,8 +2378,8 @@
         </p:nvSpPr>
         <p:spPr>
           <a:xfrm rot="16200">
-            <a:off x="257760" y="9900720"/>
-            <a:ext cx="7292160" cy="3206520"/>
+            <a:off x="257400" y="9900360"/>
+            <a:ext cx="7291800" cy="3206160"/>
           </a:xfrm>
           <a:prstGeom prst="rect">
             <a:avLst/>
@@ -2577,9 +2582,320 @@
           </a:p>
         </p:txBody>
       </p:sp>
+      <p:sp>
+        <p:nvSpPr>
+          <p:cNvPr id="48" name="CustomShape 10"/>
+          <p:cNvSpPr/>
+          <p:nvPr/>
+        </p:nvSpPr>
+        <p:spPr>
+          <a:xfrm rot="16200">
+            <a:off x="265680" y="7177680"/>
+            <a:ext cx="7042680" cy="3738240"/>
+          </a:xfrm>
+          <a:prstGeom prst="rect">
+            <a:avLst/>
+          </a:prstGeom>
+          <a:noFill/>
+          <a:ln>
+            <a:noFill/>
+          </a:ln>
+        </p:spPr>
+        <p:style>
+          <a:lnRef idx="0"/>
+          <a:fillRef idx="0"/>
+          <a:effectRef idx="0"/>
+          <a:fontRef idx="minor"/>
+        </p:style>
+        <p:txBody>
+          <a:bodyPr lIns="90000" rIns="90000" tIns="45000" bIns="45000">
+            <a:noAutofit/>
+          </a:bodyPr>
+          <a:p>
+            <a:pPr>
+              <a:lnSpc>
+                <a:spcPct val="100000"/>
+              </a:lnSpc>
+            </a:pPr>
+            <a:r>
+              <a:rPr b="1" lang="en-US" sz="1200" spc="-1" strike="noStrike">
+                <a:solidFill>
+                  <a:srgbClr val="000000"/>
+                </a:solidFill>
+                <a:latin typeface="Roboto"/>
+                <a:ea typeface="DejaVu Sans"/>
+              </a:rPr>
+              <a:t>OTTO-VON GUERICKE UNIVERSITY</a:t>
+            </a:r>
+            <a:r>
+              <a:rPr b="0" lang="en-US" sz="1200" spc="-1" strike="noStrike">
+                <a:solidFill>
+                  <a:srgbClr val="000000"/>
+                </a:solidFill>
+                <a:latin typeface="Roboto"/>
+                <a:ea typeface="DejaVu Sans"/>
+              </a:rPr>
+              <a:t>​</a:t>
+            </a:r>
+            <a:endParaRPr b="0" lang="en-US" sz="1200" spc="-1" strike="noStrike">
+              <a:latin typeface="Arial"/>
+            </a:endParaRPr>
+          </a:p>
+          <a:p>
+            <a:pPr>
+              <a:lnSpc>
+                <a:spcPct val="100000"/>
+              </a:lnSpc>
+            </a:pPr>
+            <a:r>
+              <a:rPr b="0" lang="en-US" sz="1200" spc="-1" strike="noStrike">
+                <a:solidFill>
+                  <a:srgbClr val="000000"/>
+                </a:solidFill>
+                <a:latin typeface="Roboto"/>
+                <a:ea typeface="DejaVu Sans"/>
+              </a:rPr>
+              <a:t>MASTER OF SCIENCE | DATA AND KNOWLEDGE ENGINEERING</a:t>
+            </a:r>
+            <a:endParaRPr b="0" lang="en-US" sz="1200" spc="-1" strike="noStrike">
+              <a:latin typeface="Arial"/>
+            </a:endParaRPr>
+          </a:p>
+          <a:p>
+            <a:pPr>
+              <a:lnSpc>
+                <a:spcPct val="100000"/>
+              </a:lnSpc>
+            </a:pPr>
+            <a:r>
+              <a:rPr b="0" lang="en-US" sz="1200" spc="-1" strike="noStrike">
+                <a:solidFill>
+                  <a:srgbClr val="000000"/>
+                </a:solidFill>
+                <a:latin typeface="Roboto"/>
+                <a:ea typeface="DejaVu Sans"/>
+              </a:rPr>
+              <a:t>October 2015 - N/A | Magdeburg, Germany</a:t>
+            </a:r>
+            <a:endParaRPr b="0" lang="en-US" sz="1200" spc="-1" strike="noStrike">
+              <a:latin typeface="Arial"/>
+            </a:endParaRPr>
+          </a:p>
+          <a:p>
+            <a:pPr>
+              <a:lnSpc>
+                <a:spcPct val="100000"/>
+              </a:lnSpc>
+            </a:pPr>
+            <a:r>
+              <a:rPr b="0" lang="en-US" sz="1200" spc="-1" strike="noStrike">
+                <a:solidFill>
+                  <a:srgbClr val="000000"/>
+                </a:solidFill>
+                <a:latin typeface="Roboto"/>
+                <a:ea typeface="DejaVu Sans"/>
+              </a:rPr>
+              <a:t>Extensive Elective Coursework in:</a:t>
+            </a:r>
+            <a:endParaRPr b="0" lang="en-US" sz="1200" spc="-1" strike="noStrike">
+              <a:latin typeface="Arial"/>
+            </a:endParaRPr>
+          </a:p>
+          <a:p>
+            <a:pPr>
+              <a:lnSpc>
+                <a:spcPct val="100000"/>
+              </a:lnSpc>
+            </a:pPr>
+            <a:r>
+              <a:rPr b="1" lang="en-US" sz="1200" spc="-1" strike="noStrike">
+                <a:solidFill>
+                  <a:srgbClr val="000000"/>
+                </a:solidFill>
+                <a:latin typeface="Roboto"/>
+                <a:ea typeface="DejaVu Sans"/>
+              </a:rPr>
+              <a:t>-</a:t>
+            </a:r>
+            <a:r>
+              <a:rPr b="0" lang="en-US" sz="1200" spc="-1" strike="noStrike">
+                <a:solidFill>
+                  <a:srgbClr val="000000"/>
+                </a:solidFill>
+                <a:latin typeface="Roboto"/>
+                <a:ea typeface="DejaVu Sans"/>
+              </a:rPr>
+              <a:t> Machine Learning, Data Mining, Big Data Storage and Processing, Recommendation System, Information Retrieval, Distributed Database Management, and Advanced Database Model.</a:t>
+            </a:r>
+            <a:endParaRPr b="0" lang="en-US" sz="1200" spc="-1" strike="noStrike">
+              <a:latin typeface="Arial"/>
+            </a:endParaRPr>
+          </a:p>
+          <a:p>
+            <a:pPr>
+              <a:lnSpc>
+                <a:spcPct val="100000"/>
+              </a:lnSpc>
+            </a:pPr>
+            <a:endParaRPr b="0" lang="en-US" sz="1200" spc="-1" strike="noStrike">
+              <a:latin typeface="Arial"/>
+            </a:endParaRPr>
+          </a:p>
+          <a:p>
+            <a:pPr>
+              <a:lnSpc>
+                <a:spcPct val="100000"/>
+              </a:lnSpc>
+            </a:pPr>
+            <a:r>
+              <a:rPr b="1" lang="en-US" sz="1200" spc="-1" strike="noStrike">
+                <a:solidFill>
+                  <a:srgbClr val="000000"/>
+                </a:solidFill>
+                <a:latin typeface="Roboto"/>
+                <a:ea typeface="DejaVu Sans"/>
+              </a:rPr>
+              <a:t>AHSANULLAH UNIVERSITY OF SCIENCE AND TECHNOLOGY</a:t>
+            </a:r>
+            <a:endParaRPr b="0" lang="en-US" sz="1200" spc="-1" strike="noStrike">
+              <a:latin typeface="Arial"/>
+            </a:endParaRPr>
+          </a:p>
+          <a:p>
+            <a:pPr>
+              <a:lnSpc>
+                <a:spcPct val="100000"/>
+              </a:lnSpc>
+            </a:pPr>
+            <a:r>
+              <a:rPr b="0" lang="en-US" sz="1200" spc="-1" strike="noStrike">
+                <a:solidFill>
+                  <a:srgbClr val="000000"/>
+                </a:solidFill>
+                <a:latin typeface="Roboto"/>
+                <a:ea typeface="DejaVu Sans"/>
+              </a:rPr>
+              <a:t>BACHELOR OF SCIENCE | COMPUTER SCIENCE AND ENGINEERING</a:t>
+            </a:r>
+            <a:endParaRPr b="0" lang="en-US" sz="1200" spc="-1" strike="noStrike">
+              <a:latin typeface="Arial"/>
+            </a:endParaRPr>
+          </a:p>
+          <a:p>
+            <a:pPr>
+              <a:lnSpc>
+                <a:spcPct val="100000"/>
+              </a:lnSpc>
+            </a:pPr>
+            <a:r>
+              <a:rPr b="0" lang="en-US" sz="1200" spc="-1" strike="noStrike">
+                <a:solidFill>
+                  <a:srgbClr val="000000"/>
+                </a:solidFill>
+                <a:latin typeface="Roboto"/>
+                <a:ea typeface="DejaVu Sans"/>
+              </a:rPr>
+              <a:t>Graduated October 2014 | Dhaka, Bangladesh </a:t>
+            </a:r>
+            <a:r>
+              <a:rPr b="1" lang="en-US" sz="1200" spc="-1" strike="noStrike">
+                <a:solidFill>
+                  <a:srgbClr val="000000"/>
+                </a:solidFill>
+                <a:latin typeface="Roboto"/>
+                <a:ea typeface="DejaVu Sans"/>
+              </a:rPr>
+              <a:t>CGPA: 3.268</a:t>
+            </a:r>
+            <a:endParaRPr b="0" lang="en-US" sz="1200" spc="-1" strike="noStrike">
+              <a:latin typeface="Arial"/>
+            </a:endParaRPr>
+          </a:p>
+          <a:p>
+            <a:pPr>
+              <a:lnSpc>
+                <a:spcPct val="100000"/>
+              </a:lnSpc>
+            </a:pPr>
+            <a:r>
+              <a:rPr b="0" lang="en-US" sz="1200" spc="-1" strike="noStrike">
+                <a:solidFill>
+                  <a:srgbClr val="000000"/>
+                </a:solidFill>
+                <a:latin typeface="Roboto"/>
+                <a:ea typeface="DejaVu Sans"/>
+              </a:rPr>
+              <a:t>Successfully completed Coursework in:</a:t>
+            </a:r>
+            <a:endParaRPr b="0" lang="en-US" sz="1200" spc="-1" strike="noStrike">
+              <a:latin typeface="Arial"/>
+            </a:endParaRPr>
+          </a:p>
+          <a:p>
+            <a:pPr>
+              <a:lnSpc>
+                <a:spcPct val="100000"/>
+              </a:lnSpc>
+            </a:pPr>
+            <a:r>
+              <a:rPr b="1" lang="en-US" sz="1200" spc="-1" strike="noStrike">
+                <a:solidFill>
+                  <a:srgbClr val="000000"/>
+                </a:solidFill>
+                <a:latin typeface="Roboto"/>
+                <a:ea typeface="DejaVu Sans"/>
+              </a:rPr>
+              <a:t>-</a:t>
+            </a:r>
+            <a:r>
+              <a:rPr b="0" lang="en-US" sz="1200" spc="-1" strike="noStrike">
+                <a:solidFill>
+                  <a:srgbClr val="000000"/>
+                </a:solidFill>
+                <a:latin typeface="Roboto"/>
+                <a:ea typeface="DejaVu Sans"/>
+              </a:rPr>
+              <a:t> Data Structure, Algorithms, Numerical Methods, Artificial Intelligence, Data Communication, </a:t>
+            </a:r>
+            <a:r>
+              <a:rPr b="0" lang="en-US" sz="1200" spc="-1" strike="noStrike">
+                <a:solidFill>
+                  <a:srgbClr val="000000"/>
+                </a:solidFill>
+                <a:latin typeface="Roboto"/>
+                <a:ea typeface="DejaVu Sans"/>
+              </a:rPr>
+              <a:t>	</a:t>
+            </a:r>
+            <a:r>
+              <a:rPr b="0" lang="en-US" sz="1200" spc="-1" strike="noStrike">
+                <a:solidFill>
+                  <a:srgbClr val="000000"/>
+                </a:solidFill>
+                <a:latin typeface="Roboto"/>
+                <a:ea typeface="DejaVu Sans"/>
+              </a:rPr>
+              <a:t>	</a:t>
+            </a:r>
+            <a:r>
+              <a:rPr b="0" lang="en-US" sz="1200" spc="-1" strike="noStrike">
+                <a:solidFill>
+                  <a:srgbClr val="000000"/>
+                </a:solidFill>
+                <a:latin typeface="Roboto"/>
+                <a:ea typeface="DejaVu Sans"/>
+              </a:rPr>
+              <a:t>Computer Graphics, Pattern Recognition, Discrete Mathematics, and Object-Oriented Programming.</a:t>
+            </a:r>
+            <a:endParaRPr b="0" lang="en-US" sz="1200" spc="-1" strike="noStrike">
+              <a:latin typeface="Arial"/>
+            </a:endParaRPr>
+          </a:p>
+        </p:txBody>
+      </p:sp>
       <p:pic>
         <p:nvPicPr>
-          <p:cNvPr id="48" name="" descr=""/>
+          <p:cNvPr id="49" name="" descr=""/>
           <p:cNvPicPr/>
           <p:nvPr/>
         </p:nvPicPr>
@@ -2591,8 +2907,8 @@
         </p:blipFill>
         <p:spPr>
           <a:xfrm>
-            <a:off x="4969800" y="842040"/>
-            <a:ext cx="174960" cy="174960"/>
+            <a:off x="4722480" y="842400"/>
+            <a:ext cx="176040" cy="176400"/>
           </a:xfrm>
           <a:prstGeom prst="rect">
             <a:avLst/>
@@ -2602,317 +2918,6 @@
           </a:ln>
         </p:spPr>
       </p:pic>
-      <p:sp>
-        <p:nvSpPr>
-          <p:cNvPr id="49" name="CustomShape 10"/>
-          <p:cNvSpPr/>
-          <p:nvPr/>
-        </p:nvSpPr>
-        <p:spPr>
-          <a:xfrm rot="16200">
-            <a:off x="265680" y="7177680"/>
-            <a:ext cx="7043040" cy="3738600"/>
-          </a:xfrm>
-          <a:prstGeom prst="rect">
-            <a:avLst/>
-          </a:prstGeom>
-          <a:noFill/>
-          <a:ln>
-            <a:noFill/>
-          </a:ln>
-        </p:spPr>
-        <p:style>
-          <a:lnRef idx="0"/>
-          <a:fillRef idx="0"/>
-          <a:effectRef idx="0"/>
-          <a:fontRef idx="minor"/>
-        </p:style>
-        <p:txBody>
-          <a:bodyPr lIns="90000" rIns="90000" tIns="45000" bIns="45000">
-            <a:noAutofit/>
-          </a:bodyPr>
-          <a:p>
-            <a:pPr>
-              <a:lnSpc>
-                <a:spcPct val="100000"/>
-              </a:lnSpc>
-            </a:pPr>
-            <a:r>
-              <a:rPr b="1" lang="en-US" sz="1200" spc="-1" strike="noStrike">
-                <a:solidFill>
-                  <a:srgbClr val="000000"/>
-                </a:solidFill>
-                <a:latin typeface="Roboto"/>
-                <a:ea typeface="DejaVu Sans"/>
-              </a:rPr>
-              <a:t>OTTO-VON GUERICKE UNIVERSITY</a:t>
-            </a:r>
-            <a:r>
-              <a:rPr b="0" lang="en-US" sz="1200" spc="-1" strike="noStrike">
-                <a:solidFill>
-                  <a:srgbClr val="000000"/>
-                </a:solidFill>
-                <a:latin typeface="Roboto"/>
-                <a:ea typeface="DejaVu Sans"/>
-              </a:rPr>
-              <a:t>​</a:t>
-            </a:r>
-            <a:endParaRPr b="0" lang="en-US" sz="1200" spc="-1" strike="noStrike">
-              <a:latin typeface="Arial"/>
-            </a:endParaRPr>
-          </a:p>
-          <a:p>
-            <a:pPr>
-              <a:lnSpc>
-                <a:spcPct val="100000"/>
-              </a:lnSpc>
-            </a:pPr>
-            <a:r>
-              <a:rPr b="0" lang="en-US" sz="1200" spc="-1" strike="noStrike">
-                <a:solidFill>
-                  <a:srgbClr val="000000"/>
-                </a:solidFill>
-                <a:latin typeface="Roboto"/>
-                <a:ea typeface="DejaVu Sans"/>
-              </a:rPr>
-              <a:t>MASTER OF SCIENCE | DATA AND KNOWLEDGE ENGINEERING</a:t>
-            </a:r>
-            <a:endParaRPr b="0" lang="en-US" sz="1200" spc="-1" strike="noStrike">
-              <a:latin typeface="Arial"/>
-            </a:endParaRPr>
-          </a:p>
-          <a:p>
-            <a:pPr>
-              <a:lnSpc>
-                <a:spcPct val="100000"/>
-              </a:lnSpc>
-            </a:pPr>
-            <a:r>
-              <a:rPr b="0" lang="en-US" sz="1200" spc="-1" strike="noStrike">
-                <a:solidFill>
-                  <a:srgbClr val="000000"/>
-                </a:solidFill>
-                <a:latin typeface="Roboto"/>
-                <a:ea typeface="DejaVu Sans"/>
-              </a:rPr>
-              <a:t>October 2015 - N/A | Magdeburg, Germany</a:t>
-            </a:r>
-            <a:endParaRPr b="0" lang="en-US" sz="1200" spc="-1" strike="noStrike">
-              <a:latin typeface="Arial"/>
-            </a:endParaRPr>
-          </a:p>
-          <a:p>
-            <a:pPr>
-              <a:lnSpc>
-                <a:spcPct val="100000"/>
-              </a:lnSpc>
-            </a:pPr>
-            <a:r>
-              <a:rPr b="0" lang="en-US" sz="1200" spc="-1" strike="noStrike">
-                <a:solidFill>
-                  <a:srgbClr val="000000"/>
-                </a:solidFill>
-                <a:latin typeface="Roboto"/>
-                <a:ea typeface="DejaVu Sans"/>
-              </a:rPr>
-              <a:t>Extensive Elective Coursework in:</a:t>
-            </a:r>
-            <a:endParaRPr b="0" lang="en-US" sz="1200" spc="-1" strike="noStrike">
-              <a:latin typeface="Arial"/>
-            </a:endParaRPr>
-          </a:p>
-          <a:p>
-            <a:pPr>
-              <a:lnSpc>
-                <a:spcPct val="100000"/>
-              </a:lnSpc>
-            </a:pPr>
-            <a:r>
-              <a:rPr b="1" lang="en-US" sz="1200" spc="-1" strike="noStrike">
-                <a:solidFill>
-                  <a:srgbClr val="000000"/>
-                </a:solidFill>
-                <a:latin typeface="Roboto"/>
-                <a:ea typeface="DejaVu Sans"/>
-              </a:rPr>
-              <a:t>-</a:t>
-            </a:r>
-            <a:r>
-              <a:rPr b="0" lang="en-US" sz="1200" spc="-1" strike="noStrike">
-                <a:solidFill>
-                  <a:srgbClr val="000000"/>
-                </a:solidFill>
-                <a:latin typeface="Roboto"/>
-                <a:ea typeface="DejaVu Sans"/>
-              </a:rPr>
-              <a:t> Machine Learning, Data Mining, Big Data Storage and Processing, Recommendation System, Information Retrieval, Distributed Database Management, and Advanced Database Model.</a:t>
-            </a:r>
-            <a:endParaRPr b="0" lang="en-US" sz="1200" spc="-1" strike="noStrike">
-              <a:latin typeface="Arial"/>
-            </a:endParaRPr>
-          </a:p>
-          <a:p>
-            <a:pPr>
-              <a:lnSpc>
-                <a:spcPct val="100000"/>
-              </a:lnSpc>
-            </a:pPr>
-            <a:endParaRPr b="0" lang="en-US" sz="1200" spc="-1" strike="noStrike">
-              <a:latin typeface="Arial"/>
-            </a:endParaRPr>
-          </a:p>
-          <a:p>
-            <a:pPr>
-              <a:lnSpc>
-                <a:spcPct val="100000"/>
-              </a:lnSpc>
-            </a:pPr>
-            <a:r>
-              <a:rPr b="1" lang="en-US" sz="1200" spc="-1" strike="noStrike">
-                <a:solidFill>
-                  <a:srgbClr val="000000"/>
-                </a:solidFill>
-                <a:latin typeface="Roboto"/>
-                <a:ea typeface="DejaVu Sans"/>
-              </a:rPr>
-              <a:t>AHSANULLAH UNIVERSITY OF SCIENCE AND TECHNOLOGY</a:t>
-            </a:r>
-            <a:endParaRPr b="0" lang="en-US" sz="1200" spc="-1" strike="noStrike">
-              <a:latin typeface="Arial"/>
-            </a:endParaRPr>
-          </a:p>
-          <a:p>
-            <a:pPr>
-              <a:lnSpc>
-                <a:spcPct val="100000"/>
-              </a:lnSpc>
-            </a:pPr>
-            <a:r>
-              <a:rPr b="0" lang="en-US" sz="1200" spc="-1" strike="noStrike">
-                <a:solidFill>
-                  <a:srgbClr val="000000"/>
-                </a:solidFill>
-                <a:latin typeface="Roboto"/>
-                <a:ea typeface="DejaVu Sans"/>
-              </a:rPr>
-              <a:t>BACHELOR OF SCIENCE | COMPUTER SCIENCE AND ENGINEERING</a:t>
-            </a:r>
-            <a:endParaRPr b="0" lang="en-US" sz="1200" spc="-1" strike="noStrike">
-              <a:latin typeface="Arial"/>
-            </a:endParaRPr>
-          </a:p>
-          <a:p>
-            <a:pPr>
-              <a:lnSpc>
-                <a:spcPct val="100000"/>
-              </a:lnSpc>
-            </a:pPr>
-            <a:r>
-              <a:rPr b="0" lang="en-US" sz="1200" spc="-1" strike="noStrike">
-                <a:solidFill>
-                  <a:srgbClr val="000000"/>
-                </a:solidFill>
-                <a:latin typeface="Roboto"/>
-                <a:ea typeface="DejaVu Sans"/>
-              </a:rPr>
-              <a:t>Graduated October 2014 | Dhaka, Bangladesh </a:t>
-            </a:r>
-            <a:r>
-              <a:rPr b="1" lang="en-US" sz="1200" spc="-1" strike="noStrike">
-                <a:solidFill>
-                  <a:srgbClr val="000000"/>
-                </a:solidFill>
-                <a:latin typeface="Roboto"/>
-                <a:ea typeface="DejaVu Sans"/>
-              </a:rPr>
-              <a:t>CGPA: 3.268</a:t>
-            </a:r>
-            <a:endParaRPr b="0" lang="en-US" sz="1200" spc="-1" strike="noStrike">
-              <a:latin typeface="Arial"/>
-            </a:endParaRPr>
-          </a:p>
-          <a:p>
-            <a:pPr>
-              <a:lnSpc>
-                <a:spcPct val="100000"/>
-              </a:lnSpc>
-            </a:pPr>
-            <a:r>
-              <a:rPr b="0" lang="en-US" sz="1200" spc="-1" strike="noStrike">
-                <a:solidFill>
-                  <a:srgbClr val="000000"/>
-                </a:solidFill>
-                <a:latin typeface="Roboto"/>
-                <a:ea typeface="DejaVu Sans"/>
-              </a:rPr>
-              <a:t>Successfully completed Coursework in:</a:t>
-            </a:r>
-            <a:endParaRPr b="0" lang="en-US" sz="1200" spc="-1" strike="noStrike">
-              <a:latin typeface="Arial"/>
-            </a:endParaRPr>
-          </a:p>
-          <a:p>
-            <a:pPr>
-              <a:lnSpc>
-                <a:spcPct val="100000"/>
-              </a:lnSpc>
-            </a:pPr>
-            <a:r>
-              <a:rPr b="1" lang="en-US" sz="1200" spc="-1" strike="noStrike">
-                <a:solidFill>
-                  <a:srgbClr val="000000"/>
-                </a:solidFill>
-                <a:latin typeface="Roboto"/>
-                <a:ea typeface="DejaVu Sans"/>
-              </a:rPr>
-              <a:t>-</a:t>
-            </a:r>
-            <a:r>
-              <a:rPr b="0" lang="en-US" sz="1200" spc="-1" strike="noStrike">
-                <a:solidFill>
-                  <a:srgbClr val="000000"/>
-                </a:solidFill>
-                <a:latin typeface="Roboto"/>
-                <a:ea typeface="DejaVu Sans"/>
-              </a:rPr>
-              <a:t> Data Structure, Algorithms, Numerical Methods, Artificial Intelligence, Data Communication, </a:t>
-            </a:r>
-            <a:r>
-              <a:rPr b="0" lang="en-US" sz="1200" spc="-1" strike="noStrike">
-                <a:solidFill>
-                  <a:srgbClr val="000000"/>
-                </a:solidFill>
-                <a:latin typeface="Roboto"/>
-                <a:ea typeface="DejaVu Sans"/>
-              </a:rPr>
-              <a:t>	</a:t>
-            </a:r>
-            <a:r>
-              <a:rPr b="0" lang="en-US" sz="1200" spc="-1" strike="noStrike">
-                <a:solidFill>
-                  <a:srgbClr val="000000"/>
-                </a:solidFill>
-                <a:latin typeface="Roboto"/>
-                <a:ea typeface="DejaVu Sans"/>
-              </a:rPr>
-              <a:t>	</a:t>
-            </a:r>
-            <a:r>
-              <a:rPr b="0" lang="en-US" sz="1200" spc="-1" strike="noStrike">
-                <a:solidFill>
-                  <a:srgbClr val="000000"/>
-                </a:solidFill>
-                <a:latin typeface="Roboto"/>
-                <a:ea typeface="DejaVu Sans"/>
-              </a:rPr>
-              <a:t>Computer Graphics, Pattern Recognition, Discrete Mathematics, and Object-Oriented Programming.</a:t>
-            </a:r>
-            <a:endParaRPr b="0" lang="en-US" sz="1200" spc="-1" strike="noStrike">
-              <a:latin typeface="Arial"/>
-            </a:endParaRPr>
-          </a:p>
-        </p:txBody>
-      </p:sp>
       <p:pic>
         <p:nvPicPr>
           <p:cNvPr id="50" name="" descr=""/>
@@ -2927,8 +2932,8 @@
         </p:blipFill>
         <p:spPr>
           <a:xfrm>
-            <a:off x="2666880" y="842400"/>
-            <a:ext cx="176400" cy="176760"/>
+            <a:off x="2753280" y="813600"/>
+            <a:ext cx="222480" cy="222480"/>
           </a:xfrm>
           <a:prstGeom prst="rect">
             <a:avLst/>

--- a/4.miscellaneous/0.resources/2.resume/1.files/resume_kaiser.pptx
+++ b/4.miscellaneous/0.resources/2.resume/1.files/resume_kaiser.pptx
@@ -53,7 +53,7 @@
       </p:grpSpPr>
       <p:sp>
         <p:nvSpPr>
-          <p:cNvPr id="23" name="PlaceHolder 1"/>
+          <p:cNvPr id="21" name="PlaceHolder 1"/>
           <p:cNvSpPr>
             <a:spLocks noGrp="1"/>
           </p:cNvSpPr>
@@ -84,7 +84,7 @@
       </p:sp>
       <p:sp>
         <p:nvSpPr>
-          <p:cNvPr id="24" name="PlaceHolder 2"/>
+          <p:cNvPr id="22" name="PlaceHolder 2"/>
           <p:cNvSpPr>
             <a:spLocks noGrp="1"/>
           </p:cNvSpPr>
@@ -114,7 +114,7 @@
       </p:sp>
       <p:sp>
         <p:nvSpPr>
-          <p:cNvPr id="25" name="PlaceHolder 3"/>
+          <p:cNvPr id="23" name="PlaceHolder 3"/>
           <p:cNvSpPr>
             <a:spLocks noGrp="1"/>
           </p:cNvSpPr>
@@ -166,7 +166,7 @@
       </p:grpSpPr>
       <p:sp>
         <p:nvSpPr>
-          <p:cNvPr id="26" name="PlaceHolder 1"/>
+          <p:cNvPr id="24" name="PlaceHolder 1"/>
           <p:cNvSpPr>
             <a:spLocks noGrp="1"/>
           </p:cNvSpPr>
@@ -197,7 +197,7 @@
       </p:sp>
       <p:sp>
         <p:nvSpPr>
-          <p:cNvPr id="27" name="PlaceHolder 2"/>
+          <p:cNvPr id="25" name="PlaceHolder 2"/>
           <p:cNvSpPr>
             <a:spLocks noGrp="1"/>
           </p:cNvSpPr>
@@ -227,7 +227,7 @@
       </p:sp>
       <p:sp>
         <p:nvSpPr>
-          <p:cNvPr id="28" name="PlaceHolder 3"/>
+          <p:cNvPr id="26" name="PlaceHolder 3"/>
           <p:cNvSpPr>
             <a:spLocks noGrp="1"/>
           </p:cNvSpPr>
@@ -257,7 +257,7 @@
       </p:sp>
       <p:sp>
         <p:nvSpPr>
-          <p:cNvPr id="29" name="PlaceHolder 4"/>
+          <p:cNvPr id="27" name="PlaceHolder 4"/>
           <p:cNvSpPr>
             <a:spLocks noGrp="1"/>
           </p:cNvSpPr>
@@ -287,7 +287,7 @@
       </p:sp>
       <p:sp>
         <p:nvSpPr>
-          <p:cNvPr id="30" name="PlaceHolder 5"/>
+          <p:cNvPr id="28" name="PlaceHolder 5"/>
           <p:cNvSpPr>
             <a:spLocks noGrp="1"/>
           </p:cNvSpPr>
@@ -339,7 +339,7 @@
       </p:grpSpPr>
       <p:sp>
         <p:nvSpPr>
-          <p:cNvPr id="31" name="PlaceHolder 1"/>
+          <p:cNvPr id="29" name="PlaceHolder 1"/>
           <p:cNvSpPr>
             <a:spLocks noGrp="1"/>
           </p:cNvSpPr>
@@ -370,7 +370,7 @@
       </p:sp>
       <p:sp>
         <p:nvSpPr>
-          <p:cNvPr id="32" name="PlaceHolder 2"/>
+          <p:cNvPr id="30" name="PlaceHolder 2"/>
           <p:cNvSpPr>
             <a:spLocks noGrp="1"/>
           </p:cNvSpPr>
@@ -400,7 +400,7 @@
       </p:sp>
       <p:sp>
         <p:nvSpPr>
-          <p:cNvPr id="33" name="PlaceHolder 3"/>
+          <p:cNvPr id="31" name="PlaceHolder 3"/>
           <p:cNvSpPr>
             <a:spLocks noGrp="1"/>
           </p:cNvSpPr>
@@ -430,7 +430,7 @@
       </p:sp>
       <p:sp>
         <p:nvSpPr>
-          <p:cNvPr id="34" name="PlaceHolder 4"/>
+          <p:cNvPr id="32" name="PlaceHolder 4"/>
           <p:cNvSpPr>
             <a:spLocks noGrp="1"/>
           </p:cNvSpPr>
@@ -460,7 +460,7 @@
       </p:sp>
       <p:sp>
         <p:nvSpPr>
-          <p:cNvPr id="35" name="PlaceHolder 5"/>
+          <p:cNvPr id="33" name="PlaceHolder 5"/>
           <p:cNvSpPr>
             <a:spLocks noGrp="1"/>
           </p:cNvSpPr>
@@ -490,7 +490,7 @@
       </p:sp>
       <p:sp>
         <p:nvSpPr>
-          <p:cNvPr id="36" name="PlaceHolder 6"/>
+          <p:cNvPr id="34" name="PlaceHolder 6"/>
           <p:cNvSpPr>
             <a:spLocks noGrp="1"/>
           </p:cNvSpPr>
@@ -520,7 +520,7 @@
       </p:sp>
       <p:sp>
         <p:nvSpPr>
-          <p:cNvPr id="37" name="PlaceHolder 7"/>
+          <p:cNvPr id="35" name="PlaceHolder 7"/>
           <p:cNvSpPr>
             <a:spLocks noGrp="1"/>
           </p:cNvSpPr>
@@ -572,7 +572,7 @@
       </p:grpSpPr>
       <p:sp>
         <p:nvSpPr>
-          <p:cNvPr id="2" name="PlaceHolder 1"/>
+          <p:cNvPr id="0" name="PlaceHolder 1"/>
           <p:cNvSpPr>
             <a:spLocks noGrp="1"/>
           </p:cNvSpPr>
@@ -603,7 +603,7 @@
       </p:sp>
       <p:sp>
         <p:nvSpPr>
-          <p:cNvPr id="3" name="PlaceHolder 2"/>
+          <p:cNvPr id="1" name="PlaceHolder 2"/>
           <p:cNvSpPr>
             <a:spLocks noGrp="1"/>
           </p:cNvSpPr>
@@ -656,7 +656,7 @@
       </p:grpSpPr>
       <p:sp>
         <p:nvSpPr>
-          <p:cNvPr id="4" name="PlaceHolder 1"/>
+          <p:cNvPr id="2" name="PlaceHolder 1"/>
           <p:cNvSpPr>
             <a:spLocks noGrp="1"/>
           </p:cNvSpPr>
@@ -687,7 +687,7 @@
       </p:sp>
       <p:sp>
         <p:nvSpPr>
-          <p:cNvPr id="5" name="PlaceHolder 2"/>
+          <p:cNvPr id="3" name="PlaceHolder 2"/>
           <p:cNvSpPr>
             <a:spLocks noGrp="1"/>
           </p:cNvSpPr>
@@ -739,7 +739,7 @@
       </p:grpSpPr>
       <p:sp>
         <p:nvSpPr>
-          <p:cNvPr id="6" name="PlaceHolder 1"/>
+          <p:cNvPr id="4" name="PlaceHolder 1"/>
           <p:cNvSpPr>
             <a:spLocks noGrp="1"/>
           </p:cNvSpPr>
@@ -770,7 +770,7 @@
       </p:sp>
       <p:sp>
         <p:nvSpPr>
-          <p:cNvPr id="7" name="PlaceHolder 2"/>
+          <p:cNvPr id="5" name="PlaceHolder 2"/>
           <p:cNvSpPr>
             <a:spLocks noGrp="1"/>
           </p:cNvSpPr>
@@ -800,7 +800,7 @@
       </p:sp>
       <p:sp>
         <p:nvSpPr>
-          <p:cNvPr id="8" name="PlaceHolder 3"/>
+          <p:cNvPr id="6" name="PlaceHolder 3"/>
           <p:cNvSpPr>
             <a:spLocks noGrp="1"/>
           </p:cNvSpPr>
@@ -852,7 +852,7 @@
       </p:grpSpPr>
       <p:sp>
         <p:nvSpPr>
-          <p:cNvPr id="9" name="PlaceHolder 1"/>
+          <p:cNvPr id="7" name="PlaceHolder 1"/>
           <p:cNvSpPr>
             <a:spLocks noGrp="1"/>
           </p:cNvSpPr>
@@ -905,7 +905,7 @@
       </p:grpSpPr>
       <p:sp>
         <p:nvSpPr>
-          <p:cNvPr id="10" name="PlaceHolder 1"/>
+          <p:cNvPr id="8" name="PlaceHolder 1"/>
           <p:cNvSpPr>
             <a:spLocks noGrp="1"/>
           </p:cNvSpPr>
@@ -958,7 +958,7 @@
       </p:grpSpPr>
       <p:sp>
         <p:nvSpPr>
-          <p:cNvPr id="11" name="PlaceHolder 1"/>
+          <p:cNvPr id="9" name="PlaceHolder 1"/>
           <p:cNvSpPr>
             <a:spLocks noGrp="1"/>
           </p:cNvSpPr>
@@ -989,7 +989,7 @@
       </p:sp>
       <p:sp>
         <p:nvSpPr>
-          <p:cNvPr id="12" name="PlaceHolder 2"/>
+          <p:cNvPr id="10" name="PlaceHolder 2"/>
           <p:cNvSpPr>
             <a:spLocks noGrp="1"/>
           </p:cNvSpPr>
@@ -1019,7 +1019,7 @@
       </p:sp>
       <p:sp>
         <p:nvSpPr>
-          <p:cNvPr id="13" name="PlaceHolder 3"/>
+          <p:cNvPr id="11" name="PlaceHolder 3"/>
           <p:cNvSpPr>
             <a:spLocks noGrp="1"/>
           </p:cNvSpPr>
@@ -1049,7 +1049,7 @@
       </p:sp>
       <p:sp>
         <p:nvSpPr>
-          <p:cNvPr id="14" name="PlaceHolder 4"/>
+          <p:cNvPr id="12" name="PlaceHolder 4"/>
           <p:cNvSpPr>
             <a:spLocks noGrp="1"/>
           </p:cNvSpPr>
@@ -1101,7 +1101,7 @@
       </p:grpSpPr>
       <p:sp>
         <p:nvSpPr>
-          <p:cNvPr id="15" name="PlaceHolder 1"/>
+          <p:cNvPr id="13" name="PlaceHolder 1"/>
           <p:cNvSpPr>
             <a:spLocks noGrp="1"/>
           </p:cNvSpPr>
@@ -1132,7 +1132,7 @@
       </p:sp>
       <p:sp>
         <p:nvSpPr>
-          <p:cNvPr id="16" name="PlaceHolder 2"/>
+          <p:cNvPr id="14" name="PlaceHolder 2"/>
           <p:cNvSpPr>
             <a:spLocks noGrp="1"/>
           </p:cNvSpPr>
@@ -1162,7 +1162,7 @@
       </p:sp>
       <p:sp>
         <p:nvSpPr>
-          <p:cNvPr id="17" name="PlaceHolder 3"/>
+          <p:cNvPr id="15" name="PlaceHolder 3"/>
           <p:cNvSpPr>
             <a:spLocks noGrp="1"/>
           </p:cNvSpPr>
@@ -1192,7 +1192,7 @@
       </p:sp>
       <p:sp>
         <p:nvSpPr>
-          <p:cNvPr id="18" name="PlaceHolder 4"/>
+          <p:cNvPr id="16" name="PlaceHolder 4"/>
           <p:cNvSpPr>
             <a:spLocks noGrp="1"/>
           </p:cNvSpPr>
@@ -1244,7 +1244,7 @@
       </p:grpSpPr>
       <p:sp>
         <p:nvSpPr>
-          <p:cNvPr id="19" name="PlaceHolder 1"/>
+          <p:cNvPr id="17" name="PlaceHolder 1"/>
           <p:cNvSpPr>
             <a:spLocks noGrp="1"/>
           </p:cNvSpPr>
@@ -1275,7 +1275,7 @@
       </p:sp>
       <p:sp>
         <p:nvSpPr>
-          <p:cNvPr id="20" name="PlaceHolder 2"/>
+          <p:cNvPr id="18" name="PlaceHolder 2"/>
           <p:cNvSpPr>
             <a:spLocks noGrp="1"/>
           </p:cNvSpPr>
@@ -1305,7 +1305,7 @@
       </p:sp>
       <p:sp>
         <p:nvSpPr>
-          <p:cNvPr id="21" name="PlaceHolder 3"/>
+          <p:cNvPr id="19" name="PlaceHolder 3"/>
           <p:cNvSpPr>
             <a:spLocks noGrp="1"/>
           </p:cNvSpPr>
@@ -1335,7 +1335,7 @@
       </p:sp>
       <p:sp>
         <p:nvSpPr>
-          <p:cNvPr id="22" name="PlaceHolder 4"/>
+          <p:cNvPr id="20" name="PlaceHolder 4"/>
           <p:cNvSpPr>
             <a:spLocks noGrp="1"/>
           </p:cNvSpPr>
@@ -1385,222 +1385,6 @@
           <a:chExt cx="0" cy="0"/>
         </a:xfrm>
       </p:grpSpPr>
-      <p:sp>
-        <p:nvSpPr>
-          <p:cNvPr id="0" name="PlaceHolder 1"/>
-          <p:cNvSpPr>
-            <a:spLocks noGrp="1"/>
-          </p:cNvSpPr>
-          <p:nvPr>
-            <p:ph type="title"/>
-          </p:nvPr>
-        </p:nvSpPr>
-        <p:spPr>
-          <a:xfrm>
-            <a:off x="378000" y="426240"/>
-            <a:ext cx="6806160" cy="1784880"/>
-          </a:xfrm>
-          <a:prstGeom prst="rect">
-            <a:avLst/>
-          </a:prstGeom>
-        </p:spPr>
-        <p:txBody>
-          <a:bodyPr lIns="0" rIns="0" tIns="0" bIns="0" anchor="ctr">
-            <a:noAutofit/>
-          </a:bodyPr>
-          <a:p>
-            <a:pPr algn="ctr"/>
-            <a:r>
-              <a:rPr b="0" lang="en-US" sz="4400" spc="-1" strike="noStrike">
-                <a:latin typeface="Arial"/>
-              </a:rPr>
-              <a:t>Click to edit the title text format</a:t>
-            </a:r>
-            <a:endParaRPr b="0" lang="en-US" sz="4400" spc="-1" strike="noStrike">
-              <a:latin typeface="Arial"/>
-            </a:endParaRPr>
-          </a:p>
-        </p:txBody>
-      </p:sp>
-      <p:sp>
-        <p:nvSpPr>
-          <p:cNvPr id="1" name="PlaceHolder 2"/>
-          <p:cNvSpPr>
-            <a:spLocks noGrp="1"/>
-          </p:cNvSpPr>
-          <p:nvPr>
-            <p:ph type="body"/>
-          </p:nvPr>
-        </p:nvSpPr>
-        <p:spPr>
-          <a:xfrm>
-            <a:off x="378000" y="2501280"/>
-            <a:ext cx="6806160" cy="6199920"/>
-          </a:xfrm>
-          <a:prstGeom prst="rect">
-            <a:avLst/>
-          </a:prstGeom>
-        </p:spPr>
-        <p:txBody>
-          <a:bodyPr lIns="0" rIns="0" tIns="0" bIns="0">
-            <a:normAutofit/>
-          </a:bodyPr>
-          <a:p>
-            <a:pPr marL="432000" indent="-324000">
-              <a:spcBef>
-                <a:spcPts val="1417"/>
-              </a:spcBef>
-              <a:buClr>
-                <a:srgbClr val="000000"/>
-              </a:buClr>
-              <a:buSzPct val="45000"/>
-              <a:buFont typeface="Wingdings" charset="2"/>
-              <a:buChar char=""/>
-            </a:pPr>
-            <a:r>
-              <a:rPr b="0" lang="en-US" sz="3200" spc="-1" strike="noStrike">
-                <a:latin typeface="Arial"/>
-              </a:rPr>
-              <a:t>Click to edit the outline text format</a:t>
-            </a:r>
-            <a:endParaRPr b="0" lang="en-US" sz="3200" spc="-1" strike="noStrike">
-              <a:latin typeface="Arial"/>
-            </a:endParaRPr>
-          </a:p>
-          <a:p>
-            <a:pPr lvl="1" marL="864000" indent="-324000">
-              <a:spcBef>
-                <a:spcPts val="1134"/>
-              </a:spcBef>
-              <a:buClr>
-                <a:srgbClr val="000000"/>
-              </a:buClr>
-              <a:buSzPct val="75000"/>
-              <a:buFont typeface="Symbol" charset="2"/>
-              <a:buChar char=""/>
-            </a:pPr>
-            <a:r>
-              <a:rPr b="0" lang="en-US" sz="2800" spc="-1" strike="noStrike">
-                <a:latin typeface="Arial"/>
-              </a:rPr>
-              <a:t>Second Outline Level</a:t>
-            </a:r>
-            <a:endParaRPr b="0" lang="en-US" sz="2800" spc="-1" strike="noStrike">
-              <a:latin typeface="Arial"/>
-            </a:endParaRPr>
-          </a:p>
-          <a:p>
-            <a:pPr lvl="2" marL="1296000" indent="-288000">
-              <a:spcBef>
-                <a:spcPts val="850"/>
-              </a:spcBef>
-              <a:buClr>
-                <a:srgbClr val="000000"/>
-              </a:buClr>
-              <a:buSzPct val="45000"/>
-              <a:buFont typeface="Wingdings" charset="2"/>
-              <a:buChar char=""/>
-            </a:pPr>
-            <a:r>
-              <a:rPr b="0" lang="en-US" sz="2400" spc="-1" strike="noStrike">
-                <a:latin typeface="Arial"/>
-              </a:rPr>
-              <a:t>Third Outline Level</a:t>
-            </a:r>
-            <a:endParaRPr b="0" lang="en-US" sz="2400" spc="-1" strike="noStrike">
-              <a:latin typeface="Arial"/>
-            </a:endParaRPr>
-          </a:p>
-          <a:p>
-            <a:pPr lvl="3" marL="1728000" indent="-216000">
-              <a:spcBef>
-                <a:spcPts val="567"/>
-              </a:spcBef>
-              <a:buClr>
-                <a:srgbClr val="000000"/>
-              </a:buClr>
-              <a:buSzPct val="75000"/>
-              <a:buFont typeface="Symbol" charset="2"/>
-              <a:buChar char=""/>
-            </a:pPr>
-            <a:r>
-              <a:rPr b="0" lang="en-US" sz="2000" spc="-1" strike="noStrike">
-                <a:latin typeface="Arial"/>
-              </a:rPr>
-              <a:t>Fourth Outline Level</a:t>
-            </a:r>
-            <a:endParaRPr b="0" lang="en-US" sz="2000" spc="-1" strike="noStrike">
-              <a:latin typeface="Arial"/>
-            </a:endParaRPr>
-          </a:p>
-          <a:p>
-            <a:pPr lvl="4" marL="2160000" indent="-216000">
-              <a:spcBef>
-                <a:spcPts val="283"/>
-              </a:spcBef>
-              <a:buClr>
-                <a:srgbClr val="000000"/>
-              </a:buClr>
-              <a:buSzPct val="45000"/>
-              <a:buFont typeface="Wingdings" charset="2"/>
-              <a:buChar char=""/>
-            </a:pPr>
-            <a:r>
-              <a:rPr b="0" lang="en-US" sz="2000" spc="-1" strike="noStrike">
-                <a:latin typeface="Arial"/>
-              </a:rPr>
-              <a:t>Fifth Outline Level</a:t>
-            </a:r>
-            <a:endParaRPr b="0" lang="en-US" sz="2000" spc="-1" strike="noStrike">
-              <a:latin typeface="Arial"/>
-            </a:endParaRPr>
-          </a:p>
-          <a:p>
-            <a:pPr lvl="5" marL="2592000" indent="-216000">
-              <a:spcBef>
-                <a:spcPts val="283"/>
-              </a:spcBef>
-              <a:buClr>
-                <a:srgbClr val="000000"/>
-              </a:buClr>
-              <a:buSzPct val="45000"/>
-              <a:buFont typeface="Wingdings" charset="2"/>
-              <a:buChar char=""/>
-            </a:pPr>
-            <a:r>
-              <a:rPr b="0" lang="en-US" sz="2000" spc="-1" strike="noStrike">
-                <a:latin typeface="Arial"/>
-              </a:rPr>
-              <a:t>Sixth Outline Level</a:t>
-            </a:r>
-            <a:endParaRPr b="0" lang="en-US" sz="2000" spc="-1" strike="noStrike">
-              <a:latin typeface="Arial"/>
-            </a:endParaRPr>
-          </a:p>
-          <a:p>
-            <a:pPr lvl="6" marL="3024000" indent="-216000">
-              <a:spcBef>
-                <a:spcPts val="283"/>
-              </a:spcBef>
-              <a:buClr>
-                <a:srgbClr val="000000"/>
-              </a:buClr>
-              <a:buSzPct val="45000"/>
-              <a:buFont typeface="Wingdings" charset="2"/>
-              <a:buChar char=""/>
-            </a:pPr>
-            <a:r>
-              <a:rPr b="0" lang="en-US" sz="2000" spc="-1" strike="noStrike">
-                <a:latin typeface="Arial"/>
-              </a:rPr>
-              <a:t>Seventh Outline Level</a:t>
-            </a:r>
-            <a:endParaRPr b="0" lang="en-US" sz="2000" spc="-1" strike="noStrike">
-              <a:latin typeface="Arial"/>
-            </a:endParaRPr>
-          </a:p>
-        </p:txBody>
-      </p:sp>
     </p:spTree>
   </p:cSld>
   <p:clrMap bg1="lt1" bg2="lt2" tx1="dk1" tx2="dk2" accent1="accent1" accent2="accent2" accent3="accent3" accent4="accent4" accent5="accent5" accent6="accent6" hlink="hlink" folHlink="folHlink"/>
@@ -1647,14 +1431,14 @@
       </p:grpSpPr>
       <p:sp>
         <p:nvSpPr>
-          <p:cNvPr id="38" name="CustomShape 1"/>
+          <p:cNvPr id="36" name="CustomShape 1"/>
           <p:cNvSpPr/>
           <p:nvPr/>
         </p:nvSpPr>
         <p:spPr>
           <a:xfrm>
             <a:off x="648000" y="786960"/>
-            <a:ext cx="7088040" cy="392760"/>
+            <a:ext cx="7087680" cy="392400"/>
           </a:xfrm>
           <a:prstGeom prst="rect">
             <a:avLst/>
@@ -1719,14 +1503,14 @@
       </p:sp>
       <p:sp>
         <p:nvSpPr>
-          <p:cNvPr id="39" name="CustomShape 2"/>
+          <p:cNvPr id="37" name="CustomShape 2"/>
           <p:cNvSpPr/>
           <p:nvPr/>
         </p:nvSpPr>
         <p:spPr>
           <a:xfrm>
             <a:off x="1783440" y="129960"/>
-            <a:ext cx="3723120" cy="579600"/>
+            <a:ext cx="3722760" cy="579240"/>
           </a:xfrm>
           <a:prstGeom prst="rect">
             <a:avLst/>
@@ -1800,14 +1584,14 @@
       </p:sp>
       <p:sp>
         <p:nvSpPr>
-          <p:cNvPr id="40" name="CustomShape 3"/>
+          <p:cNvPr id="38" name="CustomShape 3"/>
           <p:cNvSpPr/>
           <p:nvPr/>
         </p:nvSpPr>
         <p:spPr>
           <a:xfrm rot="16200">
-            <a:off x="257400" y="1367280"/>
-            <a:ext cx="7044480" cy="4914000"/>
+            <a:off x="257040" y="1367280"/>
+            <a:ext cx="7044120" cy="4913640"/>
           </a:xfrm>
           <a:prstGeom prst="rect">
             <a:avLst/>
@@ -2151,14 +1935,14 @@
       </p:sp>
       <p:sp>
         <p:nvSpPr>
-          <p:cNvPr id="41" name="CustomShape 4"/>
+          <p:cNvPr id="39" name="CustomShape 4"/>
           <p:cNvSpPr/>
           <p:nvPr/>
         </p:nvSpPr>
         <p:spPr>
           <a:xfrm>
             <a:off x="251640" y="1088640"/>
-            <a:ext cx="2100960" cy="342000"/>
+            <a:ext cx="2100600" cy="341640"/>
           </a:xfrm>
           <a:prstGeom prst="rect">
             <a:avLst/>
@@ -2202,21 +1986,21 @@
       </p:sp>
       <p:grpSp>
         <p:nvGrpSpPr>
-          <p:cNvPr id="42" name="Group 5"/>
+          <p:cNvPr id="40" name="Group 5"/>
           <p:cNvGrpSpPr/>
           <p:nvPr/>
         </p:nvGrpSpPr>
         <p:grpSpPr>
           <a:xfrm>
             <a:off x="629280" y="846720"/>
-            <a:ext cx="249840" cy="206280"/>
+            <a:ext cx="249480" cy="205920"/>
             <a:chOff x="629280" y="846720"/>
-            <a:chExt cx="249840" cy="206280"/>
+            <a:chExt cx="249480" cy="205920"/>
           </a:xfrm>
         </p:grpSpPr>
         <p:pic>
           <p:nvPicPr>
-            <p:cNvPr id="43" name="" descr=""/>
+            <p:cNvPr id="41" name="" descr=""/>
             <p:cNvPicPr/>
             <p:nvPr/>
           </p:nvPicPr>
@@ -2229,7 +2013,7 @@
           <p:spPr>
             <a:xfrm>
               <a:off x="629280" y="846720"/>
-              <a:ext cx="249840" cy="206280"/>
+              <a:ext cx="249480" cy="205920"/>
             </a:xfrm>
             <a:prstGeom prst="rect">
               <a:avLst/>
@@ -2242,7 +2026,7 @@
       </p:grpSp>
       <p:sp>
         <p:nvSpPr>
-          <p:cNvPr id="44" name="Line 6"/>
+          <p:cNvPr id="42" name="Line 6"/>
           <p:cNvSpPr/>
           <p:nvPr/>
         </p:nvSpPr>
@@ -2270,14 +2054,14 @@
       </p:sp>
       <p:sp>
         <p:nvSpPr>
-          <p:cNvPr id="45" name="CustomShape 7"/>
+          <p:cNvPr id="43" name="CustomShape 7"/>
           <p:cNvSpPr/>
           <p:nvPr/>
         </p:nvSpPr>
         <p:spPr>
           <a:xfrm>
             <a:off x="274320" y="6884280"/>
-            <a:ext cx="1363320" cy="342000"/>
+            <a:ext cx="1362960" cy="341640"/>
           </a:xfrm>
           <a:prstGeom prst="rect">
             <a:avLst/>
@@ -2321,14 +2105,14 @@
       </p:sp>
       <p:sp>
         <p:nvSpPr>
-          <p:cNvPr id="46" name="CustomShape 8"/>
+          <p:cNvPr id="44" name="CustomShape 8"/>
           <p:cNvSpPr/>
           <p:nvPr/>
         </p:nvSpPr>
         <p:spPr>
           <a:xfrm>
             <a:off x="274320" y="9601200"/>
-            <a:ext cx="1363320" cy="342000"/>
+            <a:ext cx="1362960" cy="341640"/>
           </a:xfrm>
           <a:prstGeom prst="rect">
             <a:avLst/>
@@ -2372,14 +2156,14 @@
       </p:sp>
       <p:sp>
         <p:nvSpPr>
-          <p:cNvPr id="47" name="CustomShape 9"/>
+          <p:cNvPr id="45" name="CustomShape 9"/>
           <p:cNvSpPr/>
           <p:nvPr/>
         </p:nvSpPr>
         <p:spPr>
           <a:xfrm rot="16200">
-            <a:off x="257400" y="9900360"/>
-            <a:ext cx="7291800" cy="3206160"/>
+            <a:off x="257040" y="9900000"/>
+            <a:ext cx="7291440" cy="3205800"/>
           </a:xfrm>
           <a:prstGeom prst="rect">
             <a:avLst/>
@@ -2584,14 +2368,14 @@
       </p:sp>
       <p:sp>
         <p:nvSpPr>
-          <p:cNvPr id="48" name="CustomShape 10"/>
+          <p:cNvPr id="46" name="CustomShape 10"/>
           <p:cNvSpPr/>
           <p:nvPr/>
         </p:nvSpPr>
         <p:spPr>
           <a:xfrm rot="16200">
             <a:off x="265680" y="7177680"/>
-            <a:ext cx="7042680" cy="3738240"/>
+            <a:ext cx="7042320" cy="3737880"/>
           </a:xfrm>
           <a:prstGeom prst="rect">
             <a:avLst/>
@@ -2675,7 +2459,17 @@
                 <a:latin typeface="Roboto"/>
                 <a:ea typeface="DejaVu Sans"/>
               </a:rPr>
-              <a:t>October 2015 - N/A | Magdeburg, Germany</a:t>
+              <a:t>October 2015 - </a:t>
+            </a:r>
+            <a:r>
+              <a:rPr b="0" lang="en-US" sz="1200" spc="-1" strike="noStrike">
+                <a:solidFill>
+                  <a:srgbClr val="000000"/>
+                </a:solidFill>
+                <a:latin typeface="Roboto"/>
+                <a:ea typeface="DejaVu Sans"/>
+              </a:rPr>
+              <a:t>N/A | Magdeburg, Germany</a:t>
             </a:r>
             <a:endParaRPr b="0" lang="en-US" sz="1200" spc="-1" strike="noStrike">
               <a:latin typeface="Arial"/>
@@ -2895,7 +2689,7 @@
       </p:sp>
       <p:pic>
         <p:nvPicPr>
-          <p:cNvPr id="49" name="" descr=""/>
+          <p:cNvPr id="47" name="" descr=""/>
           <p:cNvPicPr/>
           <p:nvPr/>
         </p:nvPicPr>
@@ -2908,7 +2702,7 @@
         <p:spPr>
           <a:xfrm>
             <a:off x="4722480" y="842400"/>
-            <a:ext cx="176040" cy="176400"/>
+            <a:ext cx="175680" cy="176040"/>
           </a:xfrm>
           <a:prstGeom prst="rect">
             <a:avLst/>
@@ -2920,7 +2714,7 @@
       </p:pic>
       <p:pic>
         <p:nvPicPr>
-          <p:cNvPr id="50" name="" descr=""/>
+          <p:cNvPr id="48" name="" descr=""/>
           <p:cNvPicPr/>
           <p:nvPr/>
         </p:nvPicPr>
@@ -2933,7 +2727,7 @@
         <p:spPr>
           <a:xfrm>
             <a:off x="2753280" y="813600"/>
-            <a:ext cx="222480" cy="222480"/>
+            <a:ext cx="222120" cy="222120"/>
           </a:xfrm>
           <a:prstGeom prst="rect">
             <a:avLst/>
